--- a/template/One_Pager_Template_v2.pptx
+++ b/template/One_Pager_Template_v2.pptx
@@ -244,7 +244,7 @@
           <a:p>
             <a:fld id="{AC9CE0DB-C912-874B-9D1B-952EB1E268DD}" type="datetimeFigureOut">
               <a:rPr kumimoji="1" lang="zh-TW" altLang="en-US" smtClean="0"/>
-              <a:t>2025/4/11</a:t>
+              <a:t>2025/8/7</a:t>
             </a:fld>
             <a:endParaRPr kumimoji="1" lang="zh-TW" altLang="en-US"/>
           </a:p>
@@ -414,7 +414,7 @@
           <a:p>
             <a:fld id="{AC9CE0DB-C912-874B-9D1B-952EB1E268DD}" type="datetimeFigureOut">
               <a:rPr kumimoji="1" lang="zh-TW" altLang="en-US" smtClean="0"/>
-              <a:t>2025/4/11</a:t>
+              <a:t>2025/8/7</a:t>
             </a:fld>
             <a:endParaRPr kumimoji="1" lang="zh-TW" altLang="en-US"/>
           </a:p>
@@ -594,7 +594,7 @@
           <a:p>
             <a:fld id="{AC9CE0DB-C912-874B-9D1B-952EB1E268DD}" type="datetimeFigureOut">
               <a:rPr kumimoji="1" lang="zh-TW" altLang="en-US" smtClean="0"/>
-              <a:t>2025/4/11</a:t>
+              <a:t>2025/8/7</a:t>
             </a:fld>
             <a:endParaRPr kumimoji="1" lang="zh-TW" altLang="en-US"/>
           </a:p>
@@ -764,7 +764,7 @@
           <a:p>
             <a:fld id="{AC9CE0DB-C912-874B-9D1B-952EB1E268DD}" type="datetimeFigureOut">
               <a:rPr kumimoji="1" lang="zh-TW" altLang="en-US" smtClean="0"/>
-              <a:t>2025/4/11</a:t>
+              <a:t>2025/8/7</a:t>
             </a:fld>
             <a:endParaRPr kumimoji="1" lang="zh-TW" altLang="en-US"/>
           </a:p>
@@ -1008,7 +1008,7 @@
           <a:p>
             <a:fld id="{AC9CE0DB-C912-874B-9D1B-952EB1E268DD}" type="datetimeFigureOut">
               <a:rPr kumimoji="1" lang="zh-TW" altLang="en-US" smtClean="0"/>
-              <a:t>2025/4/11</a:t>
+              <a:t>2025/8/7</a:t>
             </a:fld>
             <a:endParaRPr kumimoji="1" lang="zh-TW" altLang="en-US"/>
           </a:p>
@@ -1240,7 +1240,7 @@
           <a:p>
             <a:fld id="{AC9CE0DB-C912-874B-9D1B-952EB1E268DD}" type="datetimeFigureOut">
               <a:rPr kumimoji="1" lang="zh-TW" altLang="en-US" smtClean="0"/>
-              <a:t>2025/4/11</a:t>
+              <a:t>2025/8/7</a:t>
             </a:fld>
             <a:endParaRPr kumimoji="1" lang="zh-TW" altLang="en-US"/>
           </a:p>
@@ -1607,7 +1607,7 @@
           <a:p>
             <a:fld id="{AC9CE0DB-C912-874B-9D1B-952EB1E268DD}" type="datetimeFigureOut">
               <a:rPr kumimoji="1" lang="zh-TW" altLang="en-US" smtClean="0"/>
-              <a:t>2025/4/11</a:t>
+              <a:t>2025/8/7</a:t>
             </a:fld>
             <a:endParaRPr kumimoji="1" lang="zh-TW" altLang="en-US"/>
           </a:p>
@@ -1725,7 +1725,7 @@
           <a:p>
             <a:fld id="{AC9CE0DB-C912-874B-9D1B-952EB1E268DD}" type="datetimeFigureOut">
               <a:rPr kumimoji="1" lang="zh-TW" altLang="en-US" smtClean="0"/>
-              <a:t>2025/4/11</a:t>
+              <a:t>2025/8/7</a:t>
             </a:fld>
             <a:endParaRPr kumimoji="1" lang="zh-TW" altLang="en-US"/>
           </a:p>
@@ -1820,7 +1820,7 @@
           <a:p>
             <a:fld id="{AC9CE0DB-C912-874B-9D1B-952EB1E268DD}" type="datetimeFigureOut">
               <a:rPr kumimoji="1" lang="zh-TW" altLang="en-US" smtClean="0"/>
-              <a:t>2025/4/11</a:t>
+              <a:t>2025/8/7</a:t>
             </a:fld>
             <a:endParaRPr kumimoji="1" lang="zh-TW" altLang="en-US"/>
           </a:p>
@@ -2097,7 +2097,7 @@
           <a:p>
             <a:fld id="{AC9CE0DB-C912-874B-9D1B-952EB1E268DD}" type="datetimeFigureOut">
               <a:rPr kumimoji="1" lang="zh-TW" altLang="en-US" smtClean="0"/>
-              <a:t>2025/4/11</a:t>
+              <a:t>2025/8/7</a:t>
             </a:fld>
             <a:endParaRPr kumimoji="1" lang="zh-TW" altLang="en-US"/>
           </a:p>
@@ -2354,7 +2354,7 @@
           <a:p>
             <a:fld id="{AC9CE0DB-C912-874B-9D1B-952EB1E268DD}" type="datetimeFigureOut">
               <a:rPr kumimoji="1" lang="zh-TW" altLang="en-US" smtClean="0"/>
-              <a:t>2025/4/11</a:t>
+              <a:t>2025/8/7</a:t>
             </a:fld>
             <a:endParaRPr kumimoji="1" lang="zh-TW" altLang="en-US"/>
           </a:p>
@@ -2576,7 +2576,7 @@
           <a:p>
             <a:fld id="{AC9CE0DB-C912-874B-9D1B-952EB1E268DD}" type="datetimeFigureOut">
               <a:rPr kumimoji="1" lang="zh-TW" altLang="en-US" smtClean="0"/>
-              <a:t>2025/4/11</a:t>
+              <a:t>2025/8/7</a:t>
             </a:fld>
             <a:endParaRPr kumimoji="1" lang="zh-TW" altLang="en-US"/>
           </a:p>
@@ -3350,10 +3350,10 @@
       </p:grpSpPr>
       <p:pic>
         <p:nvPicPr>
-          <p:cNvPr id="2" name="Picture 1">
+          <p:cNvPr id="6" name="Picture 5">
             <a:extLst>
               <a:ext uri="{FF2B5EF4-FFF2-40B4-BE49-F238E27FC236}">
-                <a16:creationId xmlns:a16="http://schemas.microsoft.com/office/drawing/2014/main" id="{3051F5E0-2BB3-A5AE-1EC6-108B782655AF}"/>
+                <a16:creationId xmlns:a16="http://schemas.microsoft.com/office/drawing/2014/main" id="{EBB95D1E-DD8D-89AA-3D3E-370C20EC1862}"/>
               </a:ext>
             </a:extLst>
           </p:cNvPr>

--- a/template/One_Pager_Template_v2.pptx
+++ b/template/One_Pager_Template_v2.pptx
@@ -3350,10 +3350,10 @@
       </p:grpSpPr>
       <p:pic>
         <p:nvPicPr>
-          <p:cNvPr id="6" name="Picture 5">
+          <p:cNvPr id="3" name="Picture 2">
             <a:extLst>
               <a:ext uri="{FF2B5EF4-FFF2-40B4-BE49-F238E27FC236}">
-                <a16:creationId xmlns:a16="http://schemas.microsoft.com/office/drawing/2014/main" id="{EBB95D1E-DD8D-89AA-3D3E-370C20EC1862}"/>
+                <a16:creationId xmlns:a16="http://schemas.microsoft.com/office/drawing/2014/main" id="{00BC71D5-2C7B-7BFD-65EC-72ED77902320}"/>
               </a:ext>
             </a:extLst>
           </p:cNvPr>

--- a/template/One_Pager_Template_v2.pptx
+++ b/template/One_Pager_Template_v2.pptx
@@ -113,6 +113,146 @@
 </p:presentation>
 </file>
 
+<file path=ppt/revisionInfo.xml><?xml version="1.0" encoding="utf-8"?>
+<p1510:revInfo xmlns:a="http://schemas.openxmlformats.org/drawingml/2006/main" xmlns:r="http://schemas.openxmlformats.org/officeDocument/2006/relationships" xmlns:p1510="http://schemas.microsoft.com/office/powerpoint/2015/10/main">
+  <p1510:revLst>
+    <p1510:client id="{4C05FE9E-0CAC-3647-ADCA-327D300A8D0E}" v="13" dt="2026-01-09T22:54:08.414"/>
+  </p1510:revLst>
+</p1510:revInfo>
+</file>
+
+<file path=ppt/changesInfos/changesInfo1.xml><?xml version="1.0" encoding="utf-8"?>
+<pc:chgInfo xmlns:a="http://schemas.openxmlformats.org/drawingml/2006/main" xmlns:r="http://schemas.openxmlformats.org/officeDocument/2006/relationships" xmlns:ac="http://schemas.microsoft.com/office/drawing/2013/main/command" xmlns:pc="http://schemas.microsoft.com/office/powerpoint/2013/main/command">
+  <pc:docChgLst>
+    <pc:chgData name="Yang Chen" userId="5efd7b53-582d-4367-abd9-b7e0599e7d94" providerId="ADAL" clId="{4C05FE9E-0CAC-3647-ADCA-327D300A8D0E}"/>
+    <pc:docChg chg="undo custSel modSld">
+      <pc:chgData name="Yang Chen" userId="5efd7b53-582d-4367-abd9-b7e0599e7d94" providerId="ADAL" clId="{4C05FE9E-0CAC-3647-ADCA-327D300A8D0E}" dt="2026-01-09T22:56:28.598" v="41" actId="1076"/>
+      <pc:docMkLst>
+        <pc:docMk/>
+      </pc:docMkLst>
+      <pc:sldChg chg="addSp delSp modSp mod">
+        <pc:chgData name="Yang Chen" userId="5efd7b53-582d-4367-abd9-b7e0599e7d94" providerId="ADAL" clId="{4C05FE9E-0CAC-3647-ADCA-327D300A8D0E}" dt="2026-01-09T22:56:28.598" v="41" actId="1076"/>
+        <pc:sldMkLst>
+          <pc:docMk/>
+          <pc:sldMk cId="1762505184" sldId="257"/>
+        </pc:sldMkLst>
+        <pc:spChg chg="add del mod topLvl">
+          <ac:chgData name="Yang Chen" userId="5efd7b53-582d-4367-abd9-b7e0599e7d94" providerId="ADAL" clId="{4C05FE9E-0CAC-3647-ADCA-327D300A8D0E}" dt="2026-01-09T22:56:25.176" v="39" actId="478"/>
+          <ac:spMkLst>
+            <pc:docMk/>
+            <pc:sldMk cId="1762505184" sldId="257"/>
+            <ac:spMk id="13" creationId="{4B3BBCAC-AEFF-84E3-C68A-5F0D35522DD9}"/>
+          </ac:spMkLst>
+        </pc:spChg>
+        <pc:grpChg chg="add del mod">
+          <ac:chgData name="Yang Chen" userId="5efd7b53-582d-4367-abd9-b7e0599e7d94" providerId="ADAL" clId="{4C05FE9E-0CAC-3647-ADCA-327D300A8D0E}" dt="2026-01-09T22:56:25.176" v="39" actId="478"/>
+          <ac:grpSpMkLst>
+            <pc:docMk/>
+            <pc:sldMk cId="1762505184" sldId="257"/>
+            <ac:grpSpMk id="14" creationId="{EE1ABBC9-3A70-C9EB-551A-55CB5B303CB9}"/>
+          </ac:grpSpMkLst>
+        </pc:grpChg>
+        <pc:picChg chg="del mod">
+          <ac:chgData name="Yang Chen" userId="5efd7b53-582d-4367-abd9-b7e0599e7d94" providerId="ADAL" clId="{4C05FE9E-0CAC-3647-ADCA-327D300A8D0E}" dt="2026-01-09T22:40:30.046" v="24" actId="478"/>
+          <ac:picMkLst>
+            <pc:docMk/>
+            <pc:sldMk cId="1762505184" sldId="257"/>
+            <ac:picMk id="3" creationId="{00BC71D5-2C7B-7BFD-65EC-72ED77902320}"/>
+          </ac:picMkLst>
+        </pc:picChg>
+        <pc:picChg chg="add del mod">
+          <ac:chgData name="Yang Chen" userId="5efd7b53-582d-4367-abd9-b7e0599e7d94" providerId="ADAL" clId="{4C05FE9E-0CAC-3647-ADCA-327D300A8D0E}" dt="2026-01-09T22:44:25.290" v="26" actId="478"/>
+          <ac:picMkLst>
+            <pc:docMk/>
+            <pc:sldMk cId="1762505184" sldId="257"/>
+            <ac:picMk id="4" creationId="{A3A3094D-283C-51E7-3388-2379DD767A52}"/>
+          </ac:picMkLst>
+        </pc:picChg>
+        <pc:picChg chg="add del">
+          <ac:chgData name="Yang Chen" userId="5efd7b53-582d-4367-abd9-b7e0599e7d94" providerId="ADAL" clId="{4C05FE9E-0CAC-3647-ADCA-327D300A8D0E}" dt="2026-01-09T22:44:29.247" v="28" actId="478"/>
+          <ac:picMkLst>
+            <pc:docMk/>
+            <pc:sldMk cId="1762505184" sldId="257"/>
+            <ac:picMk id="5" creationId="{7349F9A0-5EA6-9F64-182B-E927B4ADC8D5}"/>
+          </ac:picMkLst>
+        </pc:picChg>
+        <pc:picChg chg="add mod">
+          <ac:chgData name="Yang Chen" userId="5efd7b53-582d-4367-abd9-b7e0599e7d94" providerId="ADAL" clId="{4C05FE9E-0CAC-3647-ADCA-327D300A8D0E}" dt="2026-01-09T22:44:43.578" v="29"/>
+          <ac:picMkLst>
+            <pc:docMk/>
+            <pc:sldMk cId="1762505184" sldId="257"/>
+            <ac:picMk id="7" creationId="{C7896DE0-1FCB-F3CC-2E21-E552A4B9B730}"/>
+          </ac:picMkLst>
+        </pc:picChg>
+        <pc:picChg chg="add mod">
+          <ac:chgData name="Yang Chen" userId="5efd7b53-582d-4367-abd9-b7e0599e7d94" providerId="ADAL" clId="{4C05FE9E-0CAC-3647-ADCA-327D300A8D0E}" dt="2026-01-09T22:49:28.508" v="30"/>
+          <ac:picMkLst>
+            <pc:docMk/>
+            <pc:sldMk cId="1762505184" sldId="257"/>
+            <ac:picMk id="9" creationId="{D9C91230-EE58-DA57-992E-6067AC42F7B7}"/>
+          </ac:picMkLst>
+        </pc:picChg>
+        <pc:picChg chg="add del mod">
+          <ac:chgData name="Yang Chen" userId="5efd7b53-582d-4367-abd9-b7e0599e7d94" providerId="ADAL" clId="{4C05FE9E-0CAC-3647-ADCA-327D300A8D0E}" dt="2026-01-09T22:53:41.293" v="32" actId="478"/>
+          <ac:picMkLst>
+            <pc:docMk/>
+            <pc:sldMk cId="1762505184" sldId="257"/>
+            <ac:picMk id="11" creationId="{6D11C246-6913-85FE-4EFB-CD44A2CE2BA4}"/>
+          </ac:picMkLst>
+        </pc:picChg>
+        <pc:picChg chg="add mod topLvl">
+          <ac:chgData name="Yang Chen" userId="5efd7b53-582d-4367-abd9-b7e0599e7d94" providerId="ADAL" clId="{4C05FE9E-0CAC-3647-ADCA-327D300A8D0E}" dt="2026-01-09T22:56:28.598" v="41" actId="1076"/>
+          <ac:picMkLst>
+            <pc:docMk/>
+            <pc:sldMk cId="1762505184" sldId="257"/>
+            <ac:picMk id="12" creationId="{66EFD50C-3371-8C2C-6366-EAEDF4AAC467}"/>
+          </ac:picMkLst>
+        </pc:picChg>
+      </pc:sldChg>
+      <pc:sldChg chg="addSp delSp modSp mod setBg">
+        <pc:chgData name="Yang Chen" userId="5efd7b53-582d-4367-abd9-b7e0599e7d94" providerId="ADAL" clId="{4C05FE9E-0CAC-3647-ADCA-327D300A8D0E}" dt="2026-01-09T22:38:10.702" v="21"/>
+        <pc:sldMkLst>
+          <pc:docMk/>
+          <pc:sldMk cId="0" sldId="324"/>
+        </pc:sldMkLst>
+        <pc:spChg chg="mod">
+          <ac:chgData name="Yang Chen" userId="5efd7b53-582d-4367-abd9-b7e0599e7d94" providerId="ADAL" clId="{4C05FE9E-0CAC-3647-ADCA-327D300A8D0E}" dt="2026-01-09T22:35:24.192" v="17" actId="1036"/>
+          <ac:spMkLst>
+            <pc:docMk/>
+            <pc:sldMk cId="0" sldId="324"/>
+            <ac:spMk id="2" creationId="{8C35FF63-1147-29CD-E22D-A7C4685B915A}"/>
+          </ac:spMkLst>
+        </pc:spChg>
+        <pc:spChg chg="add del mod ord">
+          <ac:chgData name="Yang Chen" userId="5efd7b53-582d-4367-abd9-b7e0599e7d94" providerId="ADAL" clId="{4C05FE9E-0CAC-3647-ADCA-327D300A8D0E}" dt="2026-01-09T22:37:57.236" v="19" actId="478"/>
+          <ac:spMkLst>
+            <pc:docMk/>
+            <pc:sldMk cId="0" sldId="324"/>
+            <ac:spMk id="3" creationId="{29E80615-303E-8307-1265-54DA9B502815}"/>
+          </ac:spMkLst>
+        </pc:spChg>
+        <pc:spChg chg="add del mod">
+          <ac:chgData name="Yang Chen" userId="5efd7b53-582d-4367-abd9-b7e0599e7d94" providerId="ADAL" clId="{4C05FE9E-0CAC-3647-ADCA-327D300A8D0E}" dt="2026-01-09T22:27:52.206" v="2"/>
+          <ac:spMkLst>
+            <pc:docMk/>
+            <pc:sldMk cId="0" sldId="324"/>
+            <ac:spMk id="3" creationId="{6BC41AF8-F5E7-29FC-981F-6CCC151CD0FD}"/>
+          </ac:spMkLst>
+        </pc:spChg>
+        <pc:spChg chg="mod">
+          <ac:chgData name="Yang Chen" userId="5efd7b53-582d-4367-abd9-b7e0599e7d94" providerId="ADAL" clId="{4C05FE9E-0CAC-3647-ADCA-327D300A8D0E}" dt="2026-01-09T22:35:24.192" v="17" actId="1036"/>
+          <ac:spMkLst>
+            <pc:docMk/>
+            <pc:sldMk cId="0" sldId="324"/>
+            <ac:spMk id="12" creationId="{1DDD35AC-89D0-E33A-7DC6-DC32F895D986}"/>
+          </ac:spMkLst>
+        </pc:spChg>
+      </pc:sldChg>
+    </pc:docChg>
+  </pc:docChgLst>
+</pc:chgInfo>
+</file>
+
 <file path=ppt/slideLayouts/slideLayout1.xml><?xml version="1.0" encoding="utf-8"?>
 <p:sldLayout xmlns:a="http://schemas.openxmlformats.org/drawingml/2006/main" xmlns:r="http://schemas.openxmlformats.org/officeDocument/2006/relationships" xmlns:p="http://schemas.openxmlformats.org/presentationml/2006/main" type="title" preserve="1">
   <p:cSld name="標題投影片">
@@ -244,7 +384,7 @@
           <a:p>
             <a:fld id="{AC9CE0DB-C912-874B-9D1B-952EB1E268DD}" type="datetimeFigureOut">
               <a:rPr kumimoji="1" lang="zh-TW" altLang="en-US" smtClean="0"/>
-              <a:t>2025/8/7</a:t>
+              <a:t>2026/1/9</a:t>
             </a:fld>
             <a:endParaRPr kumimoji="1" lang="zh-TW" altLang="en-US"/>
           </a:p>
@@ -414,7 +554,7 @@
           <a:p>
             <a:fld id="{AC9CE0DB-C912-874B-9D1B-952EB1E268DD}" type="datetimeFigureOut">
               <a:rPr kumimoji="1" lang="zh-TW" altLang="en-US" smtClean="0"/>
-              <a:t>2025/8/7</a:t>
+              <a:t>2026/1/9</a:t>
             </a:fld>
             <a:endParaRPr kumimoji="1" lang="zh-TW" altLang="en-US"/>
           </a:p>
@@ -594,7 +734,7 @@
           <a:p>
             <a:fld id="{AC9CE0DB-C912-874B-9D1B-952EB1E268DD}" type="datetimeFigureOut">
               <a:rPr kumimoji="1" lang="zh-TW" altLang="en-US" smtClean="0"/>
-              <a:t>2025/8/7</a:t>
+              <a:t>2026/1/9</a:t>
             </a:fld>
             <a:endParaRPr kumimoji="1" lang="zh-TW" altLang="en-US"/>
           </a:p>
@@ -764,7 +904,7 @@
           <a:p>
             <a:fld id="{AC9CE0DB-C912-874B-9D1B-952EB1E268DD}" type="datetimeFigureOut">
               <a:rPr kumimoji="1" lang="zh-TW" altLang="en-US" smtClean="0"/>
-              <a:t>2025/8/7</a:t>
+              <a:t>2026/1/9</a:t>
             </a:fld>
             <a:endParaRPr kumimoji="1" lang="zh-TW" altLang="en-US"/>
           </a:p>
@@ -1008,7 +1148,7 @@
           <a:p>
             <a:fld id="{AC9CE0DB-C912-874B-9D1B-952EB1E268DD}" type="datetimeFigureOut">
               <a:rPr kumimoji="1" lang="zh-TW" altLang="en-US" smtClean="0"/>
-              <a:t>2025/8/7</a:t>
+              <a:t>2026/1/9</a:t>
             </a:fld>
             <a:endParaRPr kumimoji="1" lang="zh-TW" altLang="en-US"/>
           </a:p>
@@ -1240,7 +1380,7 @@
           <a:p>
             <a:fld id="{AC9CE0DB-C912-874B-9D1B-952EB1E268DD}" type="datetimeFigureOut">
               <a:rPr kumimoji="1" lang="zh-TW" altLang="en-US" smtClean="0"/>
-              <a:t>2025/8/7</a:t>
+              <a:t>2026/1/9</a:t>
             </a:fld>
             <a:endParaRPr kumimoji="1" lang="zh-TW" altLang="en-US"/>
           </a:p>
@@ -1607,7 +1747,7 @@
           <a:p>
             <a:fld id="{AC9CE0DB-C912-874B-9D1B-952EB1E268DD}" type="datetimeFigureOut">
               <a:rPr kumimoji="1" lang="zh-TW" altLang="en-US" smtClean="0"/>
-              <a:t>2025/8/7</a:t>
+              <a:t>2026/1/9</a:t>
             </a:fld>
             <a:endParaRPr kumimoji="1" lang="zh-TW" altLang="en-US"/>
           </a:p>
@@ -1725,7 +1865,7 @@
           <a:p>
             <a:fld id="{AC9CE0DB-C912-874B-9D1B-952EB1E268DD}" type="datetimeFigureOut">
               <a:rPr kumimoji="1" lang="zh-TW" altLang="en-US" smtClean="0"/>
-              <a:t>2025/8/7</a:t>
+              <a:t>2026/1/9</a:t>
             </a:fld>
             <a:endParaRPr kumimoji="1" lang="zh-TW" altLang="en-US"/>
           </a:p>
@@ -1820,7 +1960,7 @@
           <a:p>
             <a:fld id="{AC9CE0DB-C912-874B-9D1B-952EB1E268DD}" type="datetimeFigureOut">
               <a:rPr kumimoji="1" lang="zh-TW" altLang="en-US" smtClean="0"/>
-              <a:t>2025/8/7</a:t>
+              <a:t>2026/1/9</a:t>
             </a:fld>
             <a:endParaRPr kumimoji="1" lang="zh-TW" altLang="en-US"/>
           </a:p>
@@ -2097,7 +2237,7 @@
           <a:p>
             <a:fld id="{AC9CE0DB-C912-874B-9D1B-952EB1E268DD}" type="datetimeFigureOut">
               <a:rPr kumimoji="1" lang="zh-TW" altLang="en-US" smtClean="0"/>
-              <a:t>2025/8/7</a:t>
+              <a:t>2026/1/9</a:t>
             </a:fld>
             <a:endParaRPr kumimoji="1" lang="zh-TW" altLang="en-US"/>
           </a:p>
@@ -2354,7 +2494,7 @@
           <a:p>
             <a:fld id="{AC9CE0DB-C912-874B-9D1B-952EB1E268DD}" type="datetimeFigureOut">
               <a:rPr kumimoji="1" lang="zh-TW" altLang="en-US" smtClean="0"/>
-              <a:t>2025/8/7</a:t>
+              <a:t>2026/1/9</a:t>
             </a:fld>
             <a:endParaRPr kumimoji="1" lang="zh-TW" altLang="en-US"/>
           </a:p>
@@ -2576,7 +2716,7 @@
           <a:p>
             <a:fld id="{AC9CE0DB-C912-874B-9D1B-952EB1E268DD}" type="datetimeFigureOut">
               <a:rPr kumimoji="1" lang="zh-TW" altLang="en-US" smtClean="0"/>
-              <a:t>2025/8/7</a:t>
+              <a:t>2026/1/9</a:t>
             </a:fld>
             <a:endParaRPr kumimoji="1" lang="zh-TW" altLang="en-US"/>
           </a:p>
@@ -2967,6 +3107,20 @@
 <file path=ppt/slides/slide1.xml><?xml version="1.0" encoding="utf-8"?>
 <p:sld xmlns:a="http://schemas.openxmlformats.org/drawingml/2006/main" xmlns:r="http://schemas.openxmlformats.org/officeDocument/2006/relationships" xmlns:p="http://schemas.openxmlformats.org/presentationml/2006/main">
   <p:cSld>
+    <p:bg>
+      <p:bgPr>
+        <a:blipFill dpi="0" rotWithShape="1">
+          <a:blip r:embed="rId2">
+            <a:lum/>
+          </a:blip>
+          <a:srcRect/>
+          <a:stretch>
+            <a:fillRect/>
+          </a:stretch>
+        </a:blipFill>
+        <a:effectLst/>
+      </p:bgPr>
+    </p:bg>
     <p:spTree>
       <p:nvGrpSpPr>
         <p:cNvPr id="1" name=""/>
@@ -3247,7 +3401,7 @@
         </p:nvSpPr>
         <p:spPr>
           <a:xfrm>
-            <a:off x="2138566" y="562585"/>
+            <a:off x="2138566" y="1150415"/>
             <a:ext cx="4970925" cy="247632"/>
           </a:xfrm>
           <a:prstGeom prst="rect">
@@ -3290,7 +3444,7 @@
         </p:nvSpPr>
         <p:spPr>
           <a:xfrm>
-            <a:off x="2138565" y="383132"/>
+            <a:off x="2138565" y="970962"/>
             <a:ext cx="4970925" cy="204480"/>
           </a:xfrm>
           <a:prstGeom prst="rect">
@@ -3350,10 +3504,10 @@
       </p:grpSpPr>
       <p:pic>
         <p:nvPicPr>
-          <p:cNvPr id="3" name="Picture 2">
+          <p:cNvPr id="12" name="Picture 11">
             <a:extLst>
               <a:ext uri="{FF2B5EF4-FFF2-40B4-BE49-F238E27FC236}">
-                <a16:creationId xmlns:a16="http://schemas.microsoft.com/office/drawing/2014/main" id="{00BC71D5-2C7B-7BFD-65EC-72ED77902320}"/>
+                <a16:creationId xmlns:a16="http://schemas.microsoft.com/office/drawing/2014/main" id="{66EFD50C-3371-8C2C-6366-EAEDF4AAC467}"/>
               </a:ext>
             </a:extLst>
           </p:cNvPr>

--- a/template/One_Pager_Template_v2.pptx
+++ b/template/One_Pager_Template_v2.pptx
@@ -116,7 +116,7 @@
 <file path=ppt/revisionInfo.xml><?xml version="1.0" encoding="utf-8"?>
 <p1510:revInfo xmlns:a="http://schemas.openxmlformats.org/drawingml/2006/main" xmlns:r="http://schemas.openxmlformats.org/officeDocument/2006/relationships" xmlns:p1510="http://schemas.microsoft.com/office/powerpoint/2015/10/main">
   <p1510:revLst>
-    <p1510:client id="{4C05FE9E-0CAC-3647-ADCA-327D300A8D0E}" v="13" dt="2026-01-09T22:54:08.414"/>
+    <p1510:client id="{4C05FE9E-0CAC-3647-ADCA-327D300A8D0E}" v="30" dt="2026-01-11T18:55:06.467"/>
   </p1510:revLst>
 </p1510:revInfo>
 </file>
@@ -125,83 +125,27 @@
 <pc:chgInfo xmlns:a="http://schemas.openxmlformats.org/drawingml/2006/main" xmlns:r="http://schemas.openxmlformats.org/officeDocument/2006/relationships" xmlns:ac="http://schemas.microsoft.com/office/drawing/2013/main/command" xmlns:pc="http://schemas.microsoft.com/office/powerpoint/2013/main/command">
   <pc:docChgLst>
     <pc:chgData name="Yang Chen" userId="5efd7b53-582d-4367-abd9-b7e0599e7d94" providerId="ADAL" clId="{4C05FE9E-0CAC-3647-ADCA-327D300A8D0E}"/>
-    <pc:docChg chg="undo custSel modSld">
-      <pc:chgData name="Yang Chen" userId="5efd7b53-582d-4367-abd9-b7e0599e7d94" providerId="ADAL" clId="{4C05FE9E-0CAC-3647-ADCA-327D300A8D0E}" dt="2026-01-09T22:56:28.598" v="41" actId="1076"/>
+    <pc:docChg chg="undo custSel modSld modMainMaster">
+      <pc:chgData name="Yang Chen" userId="5efd7b53-582d-4367-abd9-b7e0599e7d94" providerId="ADAL" clId="{4C05FE9E-0CAC-3647-ADCA-327D300A8D0E}" dt="2026-01-11T18:56:18.679" v="163" actId="1036"/>
       <pc:docMkLst>
         <pc:docMk/>
       </pc:docMkLst>
       <pc:sldChg chg="addSp delSp modSp mod">
-        <pc:chgData name="Yang Chen" userId="5efd7b53-582d-4367-abd9-b7e0599e7d94" providerId="ADAL" clId="{4C05FE9E-0CAC-3647-ADCA-327D300A8D0E}" dt="2026-01-09T22:56:28.598" v="41" actId="1076"/>
+        <pc:chgData name="Yang Chen" userId="5efd7b53-582d-4367-abd9-b7e0599e7d94" providerId="ADAL" clId="{4C05FE9E-0CAC-3647-ADCA-327D300A8D0E}" dt="2026-01-11T18:16:51.235" v="132" actId="1076"/>
         <pc:sldMkLst>
           <pc:docMk/>
           <pc:sldMk cId="1762505184" sldId="257"/>
         </pc:sldMkLst>
-        <pc:spChg chg="add del mod topLvl">
-          <ac:chgData name="Yang Chen" userId="5efd7b53-582d-4367-abd9-b7e0599e7d94" providerId="ADAL" clId="{4C05FE9E-0CAC-3647-ADCA-327D300A8D0E}" dt="2026-01-09T22:56:25.176" v="39" actId="478"/>
-          <ac:spMkLst>
-            <pc:docMk/>
-            <pc:sldMk cId="1762505184" sldId="257"/>
-            <ac:spMk id="13" creationId="{4B3BBCAC-AEFF-84E3-C68A-5F0D35522DD9}"/>
-          </ac:spMkLst>
-        </pc:spChg>
-        <pc:grpChg chg="add del mod">
-          <ac:chgData name="Yang Chen" userId="5efd7b53-582d-4367-abd9-b7e0599e7d94" providerId="ADAL" clId="{4C05FE9E-0CAC-3647-ADCA-327D300A8D0E}" dt="2026-01-09T22:56:25.176" v="39" actId="478"/>
-          <ac:grpSpMkLst>
-            <pc:docMk/>
-            <pc:sldMk cId="1762505184" sldId="257"/>
-            <ac:grpSpMk id="14" creationId="{EE1ABBC9-3A70-C9EB-551A-55CB5B303CB9}"/>
-          </ac:grpSpMkLst>
-        </pc:grpChg>
-        <pc:picChg chg="del mod">
-          <ac:chgData name="Yang Chen" userId="5efd7b53-582d-4367-abd9-b7e0599e7d94" providerId="ADAL" clId="{4C05FE9E-0CAC-3647-ADCA-327D300A8D0E}" dt="2026-01-09T22:40:30.046" v="24" actId="478"/>
+        <pc:picChg chg="add mod">
+          <ac:chgData name="Yang Chen" userId="5efd7b53-582d-4367-abd9-b7e0599e7d94" providerId="ADAL" clId="{4C05FE9E-0CAC-3647-ADCA-327D300A8D0E}" dt="2026-01-11T18:16:51.235" v="132" actId="1076"/>
           <ac:picMkLst>
             <pc:docMk/>
             <pc:sldMk cId="1762505184" sldId="257"/>
-            <ac:picMk id="3" creationId="{00BC71D5-2C7B-7BFD-65EC-72ED77902320}"/>
+            <ac:picMk id="2" creationId="{1B8C8100-8DA7-3F49-FA39-9BED856CBFE8}"/>
           </ac:picMkLst>
         </pc:picChg>
-        <pc:picChg chg="add del mod">
-          <ac:chgData name="Yang Chen" userId="5efd7b53-582d-4367-abd9-b7e0599e7d94" providerId="ADAL" clId="{4C05FE9E-0CAC-3647-ADCA-327D300A8D0E}" dt="2026-01-09T22:44:25.290" v="26" actId="478"/>
-          <ac:picMkLst>
-            <pc:docMk/>
-            <pc:sldMk cId="1762505184" sldId="257"/>
-            <ac:picMk id="4" creationId="{A3A3094D-283C-51E7-3388-2379DD767A52}"/>
-          </ac:picMkLst>
-        </pc:picChg>
-        <pc:picChg chg="add del">
-          <ac:chgData name="Yang Chen" userId="5efd7b53-582d-4367-abd9-b7e0599e7d94" providerId="ADAL" clId="{4C05FE9E-0CAC-3647-ADCA-327D300A8D0E}" dt="2026-01-09T22:44:29.247" v="28" actId="478"/>
-          <ac:picMkLst>
-            <pc:docMk/>
-            <pc:sldMk cId="1762505184" sldId="257"/>
-            <ac:picMk id="5" creationId="{7349F9A0-5EA6-9F64-182B-E927B4ADC8D5}"/>
-          </ac:picMkLst>
-        </pc:picChg>
-        <pc:picChg chg="add mod">
-          <ac:chgData name="Yang Chen" userId="5efd7b53-582d-4367-abd9-b7e0599e7d94" providerId="ADAL" clId="{4C05FE9E-0CAC-3647-ADCA-327D300A8D0E}" dt="2026-01-09T22:44:43.578" v="29"/>
-          <ac:picMkLst>
-            <pc:docMk/>
-            <pc:sldMk cId="1762505184" sldId="257"/>
-            <ac:picMk id="7" creationId="{C7896DE0-1FCB-F3CC-2E21-E552A4B9B730}"/>
-          </ac:picMkLst>
-        </pc:picChg>
-        <pc:picChg chg="add mod">
-          <ac:chgData name="Yang Chen" userId="5efd7b53-582d-4367-abd9-b7e0599e7d94" providerId="ADAL" clId="{4C05FE9E-0CAC-3647-ADCA-327D300A8D0E}" dt="2026-01-09T22:49:28.508" v="30"/>
-          <ac:picMkLst>
-            <pc:docMk/>
-            <pc:sldMk cId="1762505184" sldId="257"/>
-            <ac:picMk id="9" creationId="{D9C91230-EE58-DA57-992E-6067AC42F7B7}"/>
-          </ac:picMkLst>
-        </pc:picChg>
-        <pc:picChg chg="add del mod">
-          <ac:chgData name="Yang Chen" userId="5efd7b53-582d-4367-abd9-b7e0599e7d94" providerId="ADAL" clId="{4C05FE9E-0CAC-3647-ADCA-327D300A8D0E}" dt="2026-01-09T22:53:41.293" v="32" actId="478"/>
-          <ac:picMkLst>
-            <pc:docMk/>
-            <pc:sldMk cId="1762505184" sldId="257"/>
-            <ac:picMk id="11" creationId="{6D11C246-6913-85FE-4EFB-CD44A2CE2BA4}"/>
-          </ac:picMkLst>
-        </pc:picChg>
-        <pc:picChg chg="add mod topLvl">
-          <ac:chgData name="Yang Chen" userId="5efd7b53-582d-4367-abd9-b7e0599e7d94" providerId="ADAL" clId="{4C05FE9E-0CAC-3647-ADCA-327D300A8D0E}" dt="2026-01-09T22:56:28.598" v="41" actId="1076"/>
+        <pc:picChg chg="add del mod topLvl">
+          <ac:chgData name="Yang Chen" userId="5efd7b53-582d-4367-abd9-b7e0599e7d94" providerId="ADAL" clId="{4C05FE9E-0CAC-3647-ADCA-327D300A8D0E}" dt="2026-01-11T18:16:34.473" v="128" actId="478"/>
           <ac:picMkLst>
             <pc:docMk/>
             <pc:sldMk cId="1762505184" sldId="257"/>
@@ -210,44 +154,155 @@
         </pc:picChg>
       </pc:sldChg>
       <pc:sldChg chg="addSp delSp modSp mod setBg">
-        <pc:chgData name="Yang Chen" userId="5efd7b53-582d-4367-abd9-b7e0599e7d94" providerId="ADAL" clId="{4C05FE9E-0CAC-3647-ADCA-327D300A8D0E}" dt="2026-01-09T22:38:10.702" v="21"/>
+        <pc:chgData name="Yang Chen" userId="5efd7b53-582d-4367-abd9-b7e0599e7d94" providerId="ADAL" clId="{4C05FE9E-0CAC-3647-ADCA-327D300A8D0E}" dt="2026-01-11T18:56:18.679" v="163" actId="1036"/>
         <pc:sldMkLst>
           <pc:docMk/>
           <pc:sldMk cId="0" sldId="324"/>
         </pc:sldMkLst>
         <pc:spChg chg="mod">
-          <ac:chgData name="Yang Chen" userId="5efd7b53-582d-4367-abd9-b7e0599e7d94" providerId="ADAL" clId="{4C05FE9E-0CAC-3647-ADCA-327D300A8D0E}" dt="2026-01-09T22:35:24.192" v="17" actId="1036"/>
+          <ac:chgData name="Yang Chen" userId="5efd7b53-582d-4367-abd9-b7e0599e7d94" providerId="ADAL" clId="{4C05FE9E-0CAC-3647-ADCA-327D300A8D0E}" dt="2026-01-11T18:56:18.679" v="163" actId="1036"/>
           <ac:spMkLst>
             <pc:docMk/>
             <pc:sldMk cId="0" sldId="324"/>
             <ac:spMk id="2" creationId="{8C35FF63-1147-29CD-E22D-A7C4685B915A}"/>
           </ac:spMkLst>
         </pc:spChg>
-        <pc:spChg chg="add del mod ord">
-          <ac:chgData name="Yang Chen" userId="5efd7b53-582d-4367-abd9-b7e0599e7d94" providerId="ADAL" clId="{4C05FE9E-0CAC-3647-ADCA-327D300A8D0E}" dt="2026-01-09T22:37:57.236" v="19" actId="478"/>
+        <pc:spChg chg="add mod">
+          <ac:chgData name="Yang Chen" userId="5efd7b53-582d-4367-abd9-b7e0599e7d94" providerId="ADAL" clId="{4C05FE9E-0CAC-3647-ADCA-327D300A8D0E}" dt="2026-01-11T18:07:48.766" v="54"/>
           <ac:spMkLst>
             <pc:docMk/>
             <pc:sldMk cId="0" sldId="324"/>
-            <ac:spMk id="3" creationId="{29E80615-303E-8307-1265-54DA9B502815}"/>
+            <ac:spMk id="3" creationId="{34F7540C-50E0-802B-BD6F-7F93D09436B7}"/>
           </ac:spMkLst>
         </pc:spChg>
-        <pc:spChg chg="add del mod">
-          <ac:chgData name="Yang Chen" userId="5efd7b53-582d-4367-abd9-b7e0599e7d94" providerId="ADAL" clId="{4C05FE9E-0CAC-3647-ADCA-327D300A8D0E}" dt="2026-01-09T22:27:52.206" v="2"/>
+        <pc:spChg chg="add mod">
+          <ac:chgData name="Yang Chen" userId="5efd7b53-582d-4367-abd9-b7e0599e7d94" providerId="ADAL" clId="{4C05FE9E-0CAC-3647-ADCA-327D300A8D0E}" dt="2026-01-11T18:10:56.782" v="122" actId="207"/>
           <ac:spMkLst>
             <pc:docMk/>
             <pc:sldMk cId="0" sldId="324"/>
-            <ac:spMk id="3" creationId="{6BC41AF8-F5E7-29FC-981F-6CCC151CD0FD}"/>
+            <ac:spMk id="5" creationId="{539EEE1B-BE0E-25F5-6299-9FD2BC756C13}"/>
           </ac:spMkLst>
         </pc:spChg>
         <pc:spChg chg="mod">
-          <ac:chgData name="Yang Chen" userId="5efd7b53-582d-4367-abd9-b7e0599e7d94" providerId="ADAL" clId="{4C05FE9E-0CAC-3647-ADCA-327D300A8D0E}" dt="2026-01-09T22:35:24.192" v="17" actId="1036"/>
+          <ac:chgData name="Yang Chen" userId="5efd7b53-582d-4367-abd9-b7e0599e7d94" providerId="ADAL" clId="{4C05FE9E-0CAC-3647-ADCA-327D300A8D0E}" dt="2026-01-11T18:56:18.679" v="163" actId="1036"/>
           <ac:spMkLst>
             <pc:docMk/>
             <pc:sldMk cId="0" sldId="324"/>
             <ac:spMk id="12" creationId="{1DDD35AC-89D0-E33A-7DC6-DC32F895D986}"/>
           </ac:spMkLst>
         </pc:spChg>
+        <pc:spChg chg="add mod">
+          <ac:chgData name="Yang Chen" userId="5efd7b53-582d-4367-abd9-b7e0599e7d94" providerId="ADAL" clId="{4C05FE9E-0CAC-3647-ADCA-327D300A8D0E}" dt="2026-01-11T18:10:41.449" v="118" actId="962"/>
+          <ac:spMkLst>
+            <pc:docMk/>
+            <pc:sldMk cId="0" sldId="324"/>
+            <ac:spMk id="13" creationId="{322A3E50-52F3-2BE9-69E5-54D6E8FDD0C9}"/>
+          </ac:spMkLst>
+        </pc:spChg>
+        <pc:spChg chg="add mod">
+          <ac:chgData name="Yang Chen" userId="5efd7b53-582d-4367-abd9-b7e0599e7d94" providerId="ADAL" clId="{4C05FE9E-0CAC-3647-ADCA-327D300A8D0E}" dt="2026-01-11T18:23:26.310" v="133" actId="962"/>
+          <ac:spMkLst>
+            <pc:docMk/>
+            <pc:sldMk cId="0" sldId="324"/>
+            <ac:spMk id="14" creationId="{C5576A16-9E84-497B-FF9D-37DA4E1291FE}"/>
+          </ac:spMkLst>
+        </pc:spChg>
       </pc:sldChg>
+      <pc:sldMasterChg chg="setBg modSldLayout">
+        <pc:chgData name="Yang Chen" userId="5efd7b53-582d-4367-abd9-b7e0599e7d94" providerId="ADAL" clId="{4C05FE9E-0CAC-3647-ADCA-327D300A8D0E}" dt="2026-01-11T18:13:57.866" v="125"/>
+        <pc:sldMasterMkLst>
+          <pc:docMk/>
+          <pc:sldMasterMk cId="2458782067" sldId="2147483660"/>
+        </pc:sldMasterMkLst>
+        <pc:sldLayoutChg chg="setBg">
+          <pc:chgData name="Yang Chen" userId="5efd7b53-582d-4367-abd9-b7e0599e7d94" providerId="ADAL" clId="{4C05FE9E-0CAC-3647-ADCA-327D300A8D0E}" dt="2026-01-11T18:13:57.866" v="125"/>
+          <pc:sldLayoutMkLst>
+            <pc:docMk/>
+            <pc:sldMasterMk cId="2458782067" sldId="2147483660"/>
+            <pc:sldLayoutMk cId="2287757496" sldId="2147483661"/>
+          </pc:sldLayoutMkLst>
+        </pc:sldLayoutChg>
+        <pc:sldLayoutChg chg="setBg">
+          <pc:chgData name="Yang Chen" userId="5efd7b53-582d-4367-abd9-b7e0599e7d94" providerId="ADAL" clId="{4C05FE9E-0CAC-3647-ADCA-327D300A8D0E}" dt="2026-01-11T18:13:57.866" v="125"/>
+          <pc:sldLayoutMkLst>
+            <pc:docMk/>
+            <pc:sldMasterMk cId="2458782067" sldId="2147483660"/>
+            <pc:sldLayoutMk cId="2272717065" sldId="2147483662"/>
+          </pc:sldLayoutMkLst>
+        </pc:sldLayoutChg>
+        <pc:sldLayoutChg chg="setBg">
+          <pc:chgData name="Yang Chen" userId="5efd7b53-582d-4367-abd9-b7e0599e7d94" providerId="ADAL" clId="{4C05FE9E-0CAC-3647-ADCA-327D300A8D0E}" dt="2026-01-11T18:13:57.866" v="125"/>
+          <pc:sldLayoutMkLst>
+            <pc:docMk/>
+            <pc:sldMasterMk cId="2458782067" sldId="2147483660"/>
+            <pc:sldLayoutMk cId="3753097029" sldId="2147483663"/>
+          </pc:sldLayoutMkLst>
+        </pc:sldLayoutChg>
+        <pc:sldLayoutChg chg="setBg">
+          <pc:chgData name="Yang Chen" userId="5efd7b53-582d-4367-abd9-b7e0599e7d94" providerId="ADAL" clId="{4C05FE9E-0CAC-3647-ADCA-327D300A8D0E}" dt="2026-01-11T18:13:57.866" v="125"/>
+          <pc:sldLayoutMkLst>
+            <pc:docMk/>
+            <pc:sldMasterMk cId="2458782067" sldId="2147483660"/>
+            <pc:sldLayoutMk cId="1017056738" sldId="2147483664"/>
+          </pc:sldLayoutMkLst>
+        </pc:sldLayoutChg>
+        <pc:sldLayoutChg chg="setBg">
+          <pc:chgData name="Yang Chen" userId="5efd7b53-582d-4367-abd9-b7e0599e7d94" providerId="ADAL" clId="{4C05FE9E-0CAC-3647-ADCA-327D300A8D0E}" dt="2026-01-11T18:13:57.866" v="125"/>
+          <pc:sldLayoutMkLst>
+            <pc:docMk/>
+            <pc:sldMasterMk cId="2458782067" sldId="2147483660"/>
+            <pc:sldLayoutMk cId="2708380531" sldId="2147483665"/>
+          </pc:sldLayoutMkLst>
+        </pc:sldLayoutChg>
+        <pc:sldLayoutChg chg="setBg">
+          <pc:chgData name="Yang Chen" userId="5efd7b53-582d-4367-abd9-b7e0599e7d94" providerId="ADAL" clId="{4C05FE9E-0CAC-3647-ADCA-327D300A8D0E}" dt="2026-01-11T18:13:57.866" v="125"/>
+          <pc:sldLayoutMkLst>
+            <pc:docMk/>
+            <pc:sldMasterMk cId="2458782067" sldId="2147483660"/>
+            <pc:sldLayoutMk cId="861856106" sldId="2147483666"/>
+          </pc:sldLayoutMkLst>
+        </pc:sldLayoutChg>
+        <pc:sldLayoutChg chg="setBg">
+          <pc:chgData name="Yang Chen" userId="5efd7b53-582d-4367-abd9-b7e0599e7d94" providerId="ADAL" clId="{4C05FE9E-0CAC-3647-ADCA-327D300A8D0E}" dt="2026-01-11T18:13:57.866" v="125"/>
+          <pc:sldLayoutMkLst>
+            <pc:docMk/>
+            <pc:sldMasterMk cId="2458782067" sldId="2147483660"/>
+            <pc:sldLayoutMk cId="3891958845" sldId="2147483667"/>
+          </pc:sldLayoutMkLst>
+        </pc:sldLayoutChg>
+        <pc:sldLayoutChg chg="setBg">
+          <pc:chgData name="Yang Chen" userId="5efd7b53-582d-4367-abd9-b7e0599e7d94" providerId="ADAL" clId="{4C05FE9E-0CAC-3647-ADCA-327D300A8D0E}" dt="2026-01-11T18:13:57.866" v="125"/>
+          <pc:sldLayoutMkLst>
+            <pc:docMk/>
+            <pc:sldMasterMk cId="2458782067" sldId="2147483660"/>
+            <pc:sldLayoutMk cId="2795972844" sldId="2147483668"/>
+          </pc:sldLayoutMkLst>
+        </pc:sldLayoutChg>
+        <pc:sldLayoutChg chg="setBg">
+          <pc:chgData name="Yang Chen" userId="5efd7b53-582d-4367-abd9-b7e0599e7d94" providerId="ADAL" clId="{4C05FE9E-0CAC-3647-ADCA-327D300A8D0E}" dt="2026-01-11T18:13:57.866" v="125"/>
+          <pc:sldLayoutMkLst>
+            <pc:docMk/>
+            <pc:sldMasterMk cId="2458782067" sldId="2147483660"/>
+            <pc:sldLayoutMk cId="4134659644" sldId="2147483669"/>
+          </pc:sldLayoutMkLst>
+        </pc:sldLayoutChg>
+        <pc:sldLayoutChg chg="setBg">
+          <pc:chgData name="Yang Chen" userId="5efd7b53-582d-4367-abd9-b7e0599e7d94" providerId="ADAL" clId="{4C05FE9E-0CAC-3647-ADCA-327D300A8D0E}" dt="2026-01-11T18:13:57.866" v="125"/>
+          <pc:sldLayoutMkLst>
+            <pc:docMk/>
+            <pc:sldMasterMk cId="2458782067" sldId="2147483660"/>
+            <pc:sldLayoutMk cId="1747267194" sldId="2147483670"/>
+          </pc:sldLayoutMkLst>
+        </pc:sldLayoutChg>
+        <pc:sldLayoutChg chg="setBg">
+          <pc:chgData name="Yang Chen" userId="5efd7b53-582d-4367-abd9-b7e0599e7d94" providerId="ADAL" clId="{4C05FE9E-0CAC-3647-ADCA-327D300A8D0E}" dt="2026-01-11T18:13:57.866" v="125"/>
+          <pc:sldLayoutMkLst>
+            <pc:docMk/>
+            <pc:sldMasterMk cId="2458782067" sldId="2147483660"/>
+            <pc:sldLayoutMk cId="2717353600" sldId="2147483671"/>
+          </pc:sldLayoutMkLst>
+        </pc:sldLayoutChg>
+      </pc:sldMasterChg>
     </pc:docChg>
   </pc:docChgLst>
 </pc:chgInfo>
@@ -384,7 +439,7 @@
           <a:p>
             <a:fld id="{AC9CE0DB-C912-874B-9D1B-952EB1E268DD}" type="datetimeFigureOut">
               <a:rPr kumimoji="1" lang="zh-TW" altLang="en-US" smtClean="0"/>
-              <a:t>2026/1/9</a:t>
+              <a:t>2026/1/11</a:t>
             </a:fld>
             <a:endParaRPr kumimoji="1" lang="zh-TW" altLang="en-US"/>
           </a:p>
@@ -554,7 +609,7 @@
           <a:p>
             <a:fld id="{AC9CE0DB-C912-874B-9D1B-952EB1E268DD}" type="datetimeFigureOut">
               <a:rPr kumimoji="1" lang="zh-TW" altLang="en-US" smtClean="0"/>
-              <a:t>2026/1/9</a:t>
+              <a:t>2026/1/11</a:t>
             </a:fld>
             <a:endParaRPr kumimoji="1" lang="zh-TW" altLang="en-US"/>
           </a:p>
@@ -734,7 +789,7 @@
           <a:p>
             <a:fld id="{AC9CE0DB-C912-874B-9D1B-952EB1E268DD}" type="datetimeFigureOut">
               <a:rPr kumimoji="1" lang="zh-TW" altLang="en-US" smtClean="0"/>
-              <a:t>2026/1/9</a:t>
+              <a:t>2026/1/11</a:t>
             </a:fld>
             <a:endParaRPr kumimoji="1" lang="zh-TW" altLang="en-US"/>
           </a:p>
@@ -904,7 +959,7 @@
           <a:p>
             <a:fld id="{AC9CE0DB-C912-874B-9D1B-952EB1E268DD}" type="datetimeFigureOut">
               <a:rPr kumimoji="1" lang="zh-TW" altLang="en-US" smtClean="0"/>
-              <a:t>2026/1/9</a:t>
+              <a:t>2026/1/11</a:t>
             </a:fld>
             <a:endParaRPr kumimoji="1" lang="zh-TW" altLang="en-US"/>
           </a:p>
@@ -1148,7 +1203,7 @@
           <a:p>
             <a:fld id="{AC9CE0DB-C912-874B-9D1B-952EB1E268DD}" type="datetimeFigureOut">
               <a:rPr kumimoji="1" lang="zh-TW" altLang="en-US" smtClean="0"/>
-              <a:t>2026/1/9</a:t>
+              <a:t>2026/1/11</a:t>
             </a:fld>
             <a:endParaRPr kumimoji="1" lang="zh-TW" altLang="en-US"/>
           </a:p>
@@ -1380,7 +1435,7 @@
           <a:p>
             <a:fld id="{AC9CE0DB-C912-874B-9D1B-952EB1E268DD}" type="datetimeFigureOut">
               <a:rPr kumimoji="1" lang="zh-TW" altLang="en-US" smtClean="0"/>
-              <a:t>2026/1/9</a:t>
+              <a:t>2026/1/11</a:t>
             </a:fld>
             <a:endParaRPr kumimoji="1" lang="zh-TW" altLang="en-US"/>
           </a:p>
@@ -1747,7 +1802,7 @@
           <a:p>
             <a:fld id="{AC9CE0DB-C912-874B-9D1B-952EB1E268DD}" type="datetimeFigureOut">
               <a:rPr kumimoji="1" lang="zh-TW" altLang="en-US" smtClean="0"/>
-              <a:t>2026/1/9</a:t>
+              <a:t>2026/1/11</a:t>
             </a:fld>
             <a:endParaRPr kumimoji="1" lang="zh-TW" altLang="en-US"/>
           </a:p>
@@ -1865,7 +1920,7 @@
           <a:p>
             <a:fld id="{AC9CE0DB-C912-874B-9D1B-952EB1E268DD}" type="datetimeFigureOut">
               <a:rPr kumimoji="1" lang="zh-TW" altLang="en-US" smtClean="0"/>
-              <a:t>2026/1/9</a:t>
+              <a:t>2026/1/11</a:t>
             </a:fld>
             <a:endParaRPr kumimoji="1" lang="zh-TW" altLang="en-US"/>
           </a:p>
@@ -1960,7 +2015,7 @@
           <a:p>
             <a:fld id="{AC9CE0DB-C912-874B-9D1B-952EB1E268DD}" type="datetimeFigureOut">
               <a:rPr kumimoji="1" lang="zh-TW" altLang="en-US" smtClean="0"/>
-              <a:t>2026/1/9</a:t>
+              <a:t>2026/1/11</a:t>
             </a:fld>
             <a:endParaRPr kumimoji="1" lang="zh-TW" altLang="en-US"/>
           </a:p>
@@ -2237,7 +2292,7 @@
           <a:p>
             <a:fld id="{AC9CE0DB-C912-874B-9D1B-952EB1E268DD}" type="datetimeFigureOut">
               <a:rPr kumimoji="1" lang="zh-TW" altLang="en-US" smtClean="0"/>
-              <a:t>2026/1/9</a:t>
+              <a:t>2026/1/11</a:t>
             </a:fld>
             <a:endParaRPr kumimoji="1" lang="zh-TW" altLang="en-US"/>
           </a:p>
@@ -2494,7 +2549,7 @@
           <a:p>
             <a:fld id="{AC9CE0DB-C912-874B-9D1B-952EB1E268DD}" type="datetimeFigureOut">
               <a:rPr kumimoji="1" lang="zh-TW" altLang="en-US" smtClean="0"/>
-              <a:t>2026/1/9</a:t>
+              <a:t>2026/1/11</a:t>
             </a:fld>
             <a:endParaRPr kumimoji="1" lang="zh-TW" altLang="en-US"/>
           </a:p>
@@ -2716,7 +2771,7 @@
           <a:p>
             <a:fld id="{AC9CE0DB-C912-874B-9D1B-952EB1E268DD}" type="datetimeFigureOut">
               <a:rPr kumimoji="1" lang="zh-TW" altLang="en-US" smtClean="0"/>
-              <a:t>2026/1/9</a:t>
+              <a:t>2026/1/11</a:t>
             </a:fld>
             <a:endParaRPr kumimoji="1" lang="zh-TW" altLang="en-US"/>
           </a:p>
@@ -3107,20 +3162,6 @@
 <file path=ppt/slides/slide1.xml><?xml version="1.0" encoding="utf-8"?>
 <p:sld xmlns:a="http://schemas.openxmlformats.org/drawingml/2006/main" xmlns:r="http://schemas.openxmlformats.org/officeDocument/2006/relationships" xmlns:p="http://schemas.openxmlformats.org/presentationml/2006/main">
   <p:cSld>
-    <p:bg>
-      <p:bgPr>
-        <a:blipFill dpi="0" rotWithShape="1">
-          <a:blip r:embed="rId2">
-            <a:lum/>
-          </a:blip>
-          <a:srcRect/>
-          <a:stretch>
-            <a:fillRect/>
-          </a:stretch>
-        </a:blipFill>
-        <a:effectLst/>
-      </p:bgPr>
-    </p:bg>
     <p:spTree>
       <p:nvGrpSpPr>
         <p:cNvPr id="1" name=""/>
@@ -3401,7 +3442,7 @@
         </p:nvSpPr>
         <p:spPr>
           <a:xfrm>
-            <a:off x="2138566" y="1150415"/>
+            <a:off x="2138566" y="284994"/>
             <a:ext cx="4970925" cy="247632"/>
           </a:xfrm>
           <a:prstGeom prst="rect">
@@ -3444,7 +3485,7 @@
         </p:nvSpPr>
         <p:spPr>
           <a:xfrm>
-            <a:off x="2138565" y="970962"/>
+            <a:off x="2138565" y="105541"/>
             <a:ext cx="4970925" cy="204480"/>
           </a:xfrm>
           <a:prstGeom prst="rect">
@@ -3474,6 +3515,141 @@
               </a:rPr>
               <a:t>Household Members</a:t>
             </a:r>
+          </a:p>
+        </p:txBody>
+      </p:sp>
+      <p:sp>
+        <p:nvSpPr>
+          <p:cNvPr id="5" name="line_zone">
+            <a:extLst>
+              <a:ext uri="{FF2B5EF4-FFF2-40B4-BE49-F238E27FC236}">
+                <a16:creationId xmlns:a16="http://schemas.microsoft.com/office/drawing/2014/main" id="{539EEE1B-BE0E-25F5-6299-9FD2BC756C13}"/>
+              </a:ext>
+            </a:extLst>
+          </p:cNvPr>
+          <p:cNvSpPr txBox="1"/>
+          <p:nvPr/>
+        </p:nvSpPr>
+        <p:spPr>
+          <a:xfrm>
+            <a:off x="3347357" y="1077308"/>
+            <a:ext cx="3886200" cy="338554"/>
+          </a:xfrm>
+          <a:prstGeom prst="rect">
+            <a:avLst/>
+          </a:prstGeom>
+          <a:noFill/>
+        </p:spPr>
+        <p:txBody>
+          <a:bodyPr wrap="square">
+            <a:spAutoFit/>
+          </a:bodyPr>
+          <a:lstStyle/>
+          <a:p>
+            <a:pPr marL="0" marR="0" lvl="0" indent="0" algn="r" rtl="0">
+              <a:spcBef>
+                <a:spcPts val="0"/>
+              </a:spcBef>
+              <a:spcAft>
+                <a:spcPts val="0"/>
+              </a:spcAft>
+              <a:buNone/>
+            </a:pPr>
+            <a:r>
+              <a:rPr lang="en-US" sz="1600" b="1" dirty="0">
+                <a:latin typeface="Lato"/>
+                <a:ea typeface="Lato"/>
+                <a:cs typeface="Lato"/>
+                <a:sym typeface="Lato"/>
+              </a:rPr>
+              <a:t>Zone 3</a:t>
+            </a:r>
+          </a:p>
+        </p:txBody>
+      </p:sp>
+      <p:sp>
+        <p:nvSpPr>
+          <p:cNvPr id="13" name="line_totalItems">
+            <a:extLst>
+              <a:ext uri="{FF2B5EF4-FFF2-40B4-BE49-F238E27FC236}">
+                <a16:creationId xmlns:a16="http://schemas.microsoft.com/office/drawing/2014/main" id="{322A3E50-52F3-2BE9-69E5-54D6E8FDD0C9}"/>
+              </a:ext>
+            </a:extLst>
+          </p:cNvPr>
+          <p:cNvSpPr txBox="1"/>
+          <p:nvPr/>
+        </p:nvSpPr>
+        <p:spPr>
+          <a:xfrm>
+            <a:off x="750485" y="2120555"/>
+            <a:ext cx="638316" cy="261610"/>
+          </a:xfrm>
+          <a:prstGeom prst="rect">
+            <a:avLst/>
+          </a:prstGeom>
+          <a:noFill/>
+        </p:spPr>
+        <p:txBody>
+          <a:bodyPr wrap="none" rtlCol="0">
+            <a:spAutoFit/>
+          </a:bodyPr>
+          <a:lstStyle/>
+          <a:p>
+            <a:r>
+              <a:rPr kumimoji="1" lang="en-US" altLang="zh-TW" sz="1100" dirty="0">
+                <a:latin typeface="Lato" panose="020F0502020204030203" pitchFamily="34" charset="0"/>
+                <a:ea typeface="Lato" panose="020F0502020204030203" pitchFamily="34" charset="0"/>
+                <a:cs typeface="Lato" panose="020F0502020204030203" pitchFamily="34" charset="0"/>
+              </a:rPr>
+              <a:t>3 items</a:t>
+            </a:r>
+            <a:endParaRPr kumimoji="1" lang="zh-TW" altLang="en-US" sz="1100" dirty="0">
+              <a:latin typeface="Lato" panose="020F0502020204030203" pitchFamily="34" charset="0"/>
+              <a:cs typeface="Lato" panose="020F0502020204030203" pitchFamily="34" charset="0"/>
+            </a:endParaRPr>
+          </a:p>
+        </p:txBody>
+      </p:sp>
+      <p:sp>
+        <p:nvSpPr>
+          <p:cNvPr id="14" name="line_icePack">
+            <a:extLst>
+              <a:ext uri="{FF2B5EF4-FFF2-40B4-BE49-F238E27FC236}">
+                <a16:creationId xmlns:a16="http://schemas.microsoft.com/office/drawing/2014/main" id="{C5576A16-9E84-497B-FF9D-37DA4E1291FE}"/>
+              </a:ext>
+            </a:extLst>
+          </p:cNvPr>
+          <p:cNvSpPr txBox="1"/>
+          <p:nvPr/>
+        </p:nvSpPr>
+        <p:spPr>
+          <a:xfrm>
+            <a:off x="750485" y="2342154"/>
+            <a:ext cx="1172116" cy="261610"/>
+          </a:xfrm>
+          <a:prstGeom prst="rect">
+            <a:avLst/>
+          </a:prstGeom>
+          <a:noFill/>
+        </p:spPr>
+        <p:txBody>
+          <a:bodyPr wrap="none" rtlCol="0">
+            <a:spAutoFit/>
+          </a:bodyPr>
+          <a:lstStyle/>
+          <a:p>
+            <a:r>
+              <a:rPr kumimoji="1" lang="en-US" altLang="zh-TW" sz="1100" dirty="0">
+                <a:latin typeface="Lato" panose="020F0502020204030203" pitchFamily="34" charset="0"/>
+                <a:ea typeface="Lato" panose="020F0502020204030203" pitchFamily="34" charset="0"/>
+                <a:cs typeface="Lato" panose="020F0502020204030203" pitchFamily="34" charset="0"/>
+              </a:rPr>
+              <a:t>Include ice pack</a:t>
+            </a:r>
+            <a:endParaRPr kumimoji="1" lang="zh-TW" altLang="en-US" sz="1100" dirty="0">
+              <a:latin typeface="Lato" panose="020F0502020204030203" pitchFamily="34" charset="0"/>
+              <a:cs typeface="Lato" panose="020F0502020204030203" pitchFamily="34" charset="0"/>
+            </a:endParaRPr>
           </a:p>
         </p:txBody>
       </p:sp>
@@ -3504,10 +3680,10 @@
       </p:grpSpPr>
       <p:pic>
         <p:nvPicPr>
-          <p:cNvPr id="12" name="Picture 11">
+          <p:cNvPr id="2" name="Picture 1">
             <a:extLst>
               <a:ext uri="{FF2B5EF4-FFF2-40B4-BE49-F238E27FC236}">
-                <a16:creationId xmlns:a16="http://schemas.microsoft.com/office/drawing/2014/main" id="{66EFD50C-3371-8C2C-6366-EAEDF4AAC467}"/>
+                <a16:creationId xmlns:a16="http://schemas.microsoft.com/office/drawing/2014/main" id="{1B8C8100-8DA7-3F49-FA39-9BED856CBFE8}"/>
               </a:ext>
             </a:extLst>
           </p:cNvPr>
@@ -3524,8 +3700,8 @@
         </p:blipFill>
         <p:spPr>
           <a:xfrm>
-            <a:off x="0" y="0"/>
-            <a:ext cx="7772400" cy="10058400"/>
+            <a:off x="0" y="-38995"/>
+            <a:ext cx="7822086" cy="10136390"/>
           </a:xfrm>
           <a:prstGeom prst="rect">
             <a:avLst/>
